--- a/assets/files/pvis2023_presentation_template_light2.pptx
+++ b/assets/files/pvis2023_presentation_template_light2.pptx
@@ -1,11 +1,14 @@
 
 <file path=ppt/presentation.xml><?xml version="1.0" encoding="utf-8"?>
-<p:presentation xmlns:a="http://schemas.openxmlformats.org/drawingml/2006/main" xmlns:r="http://schemas.openxmlformats.org/officeDocument/2006/relationships" xmlns:p="http://schemas.openxmlformats.org/presentationml/2006/main" saveSubsetFonts="1">
+<p:presentation xmlns:a="http://schemas.openxmlformats.org/drawingml/2006/main" xmlns:r="http://schemas.openxmlformats.org/officeDocument/2006/relationships" xmlns:p="http://schemas.openxmlformats.org/presentationml/2006/main" showSpecialPlsOnTitleSld="0" saveSubsetFonts="1">
   <p:sldMasterIdLst>
-    <p:sldMasterId id="2147483648" r:id="rId1"/>
+    <p:sldMasterId id="2147483653" r:id="rId1"/>
   </p:sldMasterIdLst>
+  <p:notesMasterIdLst>
+    <p:notesMasterId r:id="rId6"/>
+  </p:notesMasterIdLst>
   <p:handoutMasterIdLst>
-    <p:handoutMasterId r:id="rId6"/>
+    <p:handoutMasterId r:id="rId7"/>
   </p:handoutMasterIdLst>
   <p:sldIdLst>
     <p:sldId id="256" r:id="rId2"/>
@@ -226,7 +229,7 @@
           <a:p>
             <a:fld id="{F7BC9F75-2ED4-464A-86C5-08CEEAFB01A5}" type="datetimeFigureOut">
               <a:rPr lang="ko-KR" altLang="en-US" smtClean="0"/>
-              <a:t>2023-04-05</a:t>
+              <a:t>2023-04-14</a:t>
             </a:fld>
             <a:endParaRPr lang="ko-KR" altLang="en-US"/>
           </a:p>
@@ -337,9 +340,358 @@
 </p:handoutMaster>
 </file>
 
+<file path=ppt/notesMasters/notesMaster1.xml><?xml version="1.0" encoding="utf-8"?>
+<p:notesMaster xmlns:a="http://schemas.openxmlformats.org/drawingml/2006/main" xmlns:r="http://schemas.openxmlformats.org/officeDocument/2006/relationships" xmlns:p="http://schemas.openxmlformats.org/presentationml/2006/main">
+  <p:cSld>
+    <p:bg>
+      <p:bgRef idx="1001">
+        <a:schemeClr val="bg1"/>
+      </p:bgRef>
+    </p:bg>
+    <p:spTree>
+      <p:nvGrpSpPr>
+        <p:cNvPr id="1" name=""/>
+        <p:cNvGrpSpPr/>
+        <p:nvPr/>
+      </p:nvGrpSpPr>
+      <p:grpSpPr>
+        <a:xfrm>
+          <a:off x="0" y="0"/>
+          <a:ext cx="0" cy="0"/>
+          <a:chOff x="0" y="0"/>
+          <a:chExt cx="0" cy="0"/>
+        </a:xfrm>
+      </p:grpSpPr>
+      <p:sp>
+        <p:nvSpPr>
+          <p:cNvPr id="2" name="머리글 개체 틀 1"/>
+          <p:cNvSpPr>
+            <a:spLocks noGrp="1"/>
+          </p:cNvSpPr>
+          <p:nvPr>
+            <p:ph type="hdr" sz="quarter"/>
+          </p:nvPr>
+        </p:nvSpPr>
+        <p:spPr>
+          <a:xfrm>
+            <a:off x="0" y="0"/>
+            <a:ext cx="2971800" cy="458788"/>
+          </a:xfrm>
+          <a:prstGeom prst="rect">
+            <a:avLst/>
+          </a:prstGeom>
+        </p:spPr>
+        <p:txBody>
+          <a:bodyPr vert="horz" lIns="91440" tIns="45720" rIns="91440" bIns="45720" rtlCol="0"/>
+          <a:lstStyle>
+            <a:lvl1pPr algn="l">
+              <a:defRPr sz="1200"/>
+            </a:lvl1pPr>
+          </a:lstStyle>
+          <a:p>
+            <a:endParaRPr lang="ko-KR" altLang="en-US"/>
+          </a:p>
+        </p:txBody>
+      </p:sp>
+      <p:sp>
+        <p:nvSpPr>
+          <p:cNvPr id="3" name="날짜 개체 틀 2"/>
+          <p:cNvSpPr>
+            <a:spLocks noGrp="1"/>
+          </p:cNvSpPr>
+          <p:nvPr>
+            <p:ph type="dt" idx="1"/>
+          </p:nvPr>
+        </p:nvSpPr>
+        <p:spPr>
+          <a:xfrm>
+            <a:off x="3884613" y="0"/>
+            <a:ext cx="2971800" cy="458788"/>
+          </a:xfrm>
+          <a:prstGeom prst="rect">
+            <a:avLst/>
+          </a:prstGeom>
+        </p:spPr>
+        <p:txBody>
+          <a:bodyPr vert="horz" lIns="91440" tIns="45720" rIns="91440" bIns="45720" rtlCol="0"/>
+          <a:lstStyle>
+            <a:lvl1pPr algn="r">
+              <a:defRPr sz="1200"/>
+            </a:lvl1pPr>
+          </a:lstStyle>
+          <a:p>
+            <a:fld id="{B8BA417A-EE7D-4AE9-BF4A-E20B76141E52}" type="datetimeFigureOut">
+              <a:rPr lang="ko-KR" altLang="en-US" smtClean="0"/>
+              <a:t>2023-04-14</a:t>
+            </a:fld>
+            <a:endParaRPr lang="ko-KR" altLang="en-US"/>
+          </a:p>
+        </p:txBody>
+      </p:sp>
+      <p:sp>
+        <p:nvSpPr>
+          <p:cNvPr id="4" name="슬라이드 이미지 개체 틀 3"/>
+          <p:cNvSpPr>
+            <a:spLocks noGrp="1" noRot="1" noChangeAspect="1"/>
+          </p:cNvSpPr>
+          <p:nvPr>
+            <p:ph type="sldImg" idx="2"/>
+          </p:nvPr>
+        </p:nvSpPr>
+        <p:spPr>
+          <a:xfrm>
+            <a:off x="685800" y="1143000"/>
+            <a:ext cx="5486400" cy="3086100"/>
+          </a:xfrm>
+          <a:prstGeom prst="rect">
+            <a:avLst/>
+          </a:prstGeom>
+          <a:noFill/>
+          <a:ln w="12700">
+            <a:solidFill>
+              <a:prstClr val="black"/>
+            </a:solidFill>
+          </a:ln>
+        </p:spPr>
+        <p:txBody>
+          <a:bodyPr vert="horz" lIns="91440" tIns="45720" rIns="91440" bIns="45720" rtlCol="0" anchor="ctr"/>
+          <a:lstStyle/>
+          <a:p>
+            <a:endParaRPr lang="ko-KR" altLang="en-US"/>
+          </a:p>
+        </p:txBody>
+      </p:sp>
+      <p:sp>
+        <p:nvSpPr>
+          <p:cNvPr id="5" name="슬라이드 노트 개체 틀 4"/>
+          <p:cNvSpPr>
+            <a:spLocks noGrp="1"/>
+          </p:cNvSpPr>
+          <p:nvPr>
+            <p:ph type="body" sz="quarter" idx="3"/>
+          </p:nvPr>
+        </p:nvSpPr>
+        <p:spPr>
+          <a:xfrm>
+            <a:off x="685800" y="4400550"/>
+            <a:ext cx="5486400" cy="3600450"/>
+          </a:xfrm>
+          <a:prstGeom prst="rect">
+            <a:avLst/>
+          </a:prstGeom>
+        </p:spPr>
+        <p:txBody>
+          <a:bodyPr vert="horz" lIns="91440" tIns="45720" rIns="91440" bIns="45720" rtlCol="0"/>
+          <a:lstStyle/>
+          <a:p>
+            <a:pPr lvl="0"/>
+            <a:r>
+              <a:rPr lang="ko-KR" altLang="en-US"/>
+              <a:t>마스터 텍스트 스타일을 편집하려면 클릭</a:t>
+            </a:r>
+          </a:p>
+          <a:p>
+            <a:pPr lvl="1"/>
+            <a:r>
+              <a:rPr lang="ko-KR" altLang="en-US"/>
+              <a:t>두 번째 수준</a:t>
+            </a:r>
+          </a:p>
+          <a:p>
+            <a:pPr lvl="2"/>
+            <a:r>
+              <a:rPr lang="ko-KR" altLang="en-US"/>
+              <a:t>세 번째 수준</a:t>
+            </a:r>
+          </a:p>
+          <a:p>
+            <a:pPr lvl="3"/>
+            <a:r>
+              <a:rPr lang="ko-KR" altLang="en-US"/>
+              <a:t>네 번째 수준</a:t>
+            </a:r>
+          </a:p>
+          <a:p>
+            <a:pPr lvl="4"/>
+            <a:r>
+              <a:rPr lang="ko-KR" altLang="en-US"/>
+              <a:t>다섯 번째 수준</a:t>
+            </a:r>
+          </a:p>
+        </p:txBody>
+      </p:sp>
+      <p:sp>
+        <p:nvSpPr>
+          <p:cNvPr id="6" name="바닥글 개체 틀 5"/>
+          <p:cNvSpPr>
+            <a:spLocks noGrp="1"/>
+          </p:cNvSpPr>
+          <p:nvPr>
+            <p:ph type="ftr" sz="quarter" idx="4"/>
+          </p:nvPr>
+        </p:nvSpPr>
+        <p:spPr>
+          <a:xfrm>
+            <a:off x="0" y="8685213"/>
+            <a:ext cx="2971800" cy="458787"/>
+          </a:xfrm>
+          <a:prstGeom prst="rect">
+            <a:avLst/>
+          </a:prstGeom>
+        </p:spPr>
+        <p:txBody>
+          <a:bodyPr vert="horz" lIns="91440" tIns="45720" rIns="91440" bIns="45720" rtlCol="0" anchor="b"/>
+          <a:lstStyle>
+            <a:lvl1pPr algn="l">
+              <a:defRPr sz="1200"/>
+            </a:lvl1pPr>
+          </a:lstStyle>
+          <a:p>
+            <a:endParaRPr lang="ko-KR" altLang="en-US"/>
+          </a:p>
+        </p:txBody>
+      </p:sp>
+      <p:sp>
+        <p:nvSpPr>
+          <p:cNvPr id="7" name="슬라이드 번호 개체 틀 6"/>
+          <p:cNvSpPr>
+            <a:spLocks noGrp="1"/>
+          </p:cNvSpPr>
+          <p:nvPr>
+            <p:ph type="sldNum" sz="quarter" idx="5"/>
+          </p:nvPr>
+        </p:nvSpPr>
+        <p:spPr>
+          <a:xfrm>
+            <a:off x="3884613" y="8685213"/>
+            <a:ext cx="2971800" cy="458787"/>
+          </a:xfrm>
+          <a:prstGeom prst="rect">
+            <a:avLst/>
+          </a:prstGeom>
+        </p:spPr>
+        <p:txBody>
+          <a:bodyPr vert="horz" lIns="91440" tIns="45720" rIns="91440" bIns="45720" rtlCol="0" anchor="b"/>
+          <a:lstStyle>
+            <a:lvl1pPr algn="r">
+              <a:defRPr sz="1200"/>
+            </a:lvl1pPr>
+          </a:lstStyle>
+          <a:p>
+            <a:fld id="{1CC2BFED-0102-4B42-BB7E-D3D15FF778B8}" type="slidenum">
+              <a:rPr lang="ko-KR" altLang="en-US" smtClean="0"/>
+              <a:t>‹#›</a:t>
+            </a:fld>
+            <a:endParaRPr lang="ko-KR" altLang="en-US"/>
+          </a:p>
+        </p:txBody>
+      </p:sp>
+    </p:spTree>
+    <p:extLst>
+      <p:ext uri="{BB962C8B-B14F-4D97-AF65-F5344CB8AC3E}">
+        <p14:creationId xmlns:p14="http://schemas.microsoft.com/office/powerpoint/2010/main" val="199262602"/>
+      </p:ext>
+    </p:extLst>
+  </p:cSld>
+  <p:clrMap bg1="lt1" tx1="dk1" bg2="lt2" tx2="dk2" accent1="accent1" accent2="accent2" accent3="accent3" accent4="accent4" accent5="accent5" accent6="accent6" hlink="hlink" folHlink="folHlink"/>
+  <p:notesStyle>
+    <a:lvl1pPr marL="0" algn="l" defTabSz="914400" rtl="0" eaLnBrk="1" latinLnBrk="1" hangingPunct="1">
+      <a:defRPr sz="1200" kern="1200">
+        <a:solidFill>
+          <a:schemeClr val="tx1"/>
+        </a:solidFill>
+        <a:latin typeface="+mn-lt"/>
+        <a:ea typeface="+mn-ea"/>
+        <a:cs typeface="+mn-cs"/>
+      </a:defRPr>
+    </a:lvl1pPr>
+    <a:lvl2pPr marL="457200" algn="l" defTabSz="914400" rtl="0" eaLnBrk="1" latinLnBrk="1" hangingPunct="1">
+      <a:defRPr sz="1200" kern="1200">
+        <a:solidFill>
+          <a:schemeClr val="tx1"/>
+        </a:solidFill>
+        <a:latin typeface="+mn-lt"/>
+        <a:ea typeface="+mn-ea"/>
+        <a:cs typeface="+mn-cs"/>
+      </a:defRPr>
+    </a:lvl2pPr>
+    <a:lvl3pPr marL="914400" algn="l" defTabSz="914400" rtl="0" eaLnBrk="1" latinLnBrk="1" hangingPunct="1">
+      <a:defRPr sz="1200" kern="1200">
+        <a:solidFill>
+          <a:schemeClr val="tx1"/>
+        </a:solidFill>
+        <a:latin typeface="+mn-lt"/>
+        <a:ea typeface="+mn-ea"/>
+        <a:cs typeface="+mn-cs"/>
+      </a:defRPr>
+    </a:lvl3pPr>
+    <a:lvl4pPr marL="1371600" algn="l" defTabSz="914400" rtl="0" eaLnBrk="1" latinLnBrk="1" hangingPunct="1">
+      <a:defRPr sz="1200" kern="1200">
+        <a:solidFill>
+          <a:schemeClr val="tx1"/>
+        </a:solidFill>
+        <a:latin typeface="+mn-lt"/>
+        <a:ea typeface="+mn-ea"/>
+        <a:cs typeface="+mn-cs"/>
+      </a:defRPr>
+    </a:lvl4pPr>
+    <a:lvl5pPr marL="1828800" algn="l" defTabSz="914400" rtl="0" eaLnBrk="1" latinLnBrk="1" hangingPunct="1">
+      <a:defRPr sz="1200" kern="1200">
+        <a:solidFill>
+          <a:schemeClr val="tx1"/>
+        </a:solidFill>
+        <a:latin typeface="+mn-lt"/>
+        <a:ea typeface="+mn-ea"/>
+        <a:cs typeface="+mn-cs"/>
+      </a:defRPr>
+    </a:lvl5pPr>
+    <a:lvl6pPr marL="2286000" algn="l" defTabSz="914400" rtl="0" eaLnBrk="1" latinLnBrk="1" hangingPunct="1">
+      <a:defRPr sz="1200" kern="1200">
+        <a:solidFill>
+          <a:schemeClr val="tx1"/>
+        </a:solidFill>
+        <a:latin typeface="+mn-lt"/>
+        <a:ea typeface="+mn-ea"/>
+        <a:cs typeface="+mn-cs"/>
+      </a:defRPr>
+    </a:lvl6pPr>
+    <a:lvl7pPr marL="2743200" algn="l" defTabSz="914400" rtl="0" eaLnBrk="1" latinLnBrk="1" hangingPunct="1">
+      <a:defRPr sz="1200" kern="1200">
+        <a:solidFill>
+          <a:schemeClr val="tx1"/>
+        </a:solidFill>
+        <a:latin typeface="+mn-lt"/>
+        <a:ea typeface="+mn-ea"/>
+        <a:cs typeface="+mn-cs"/>
+      </a:defRPr>
+    </a:lvl7pPr>
+    <a:lvl8pPr marL="3200400" algn="l" defTabSz="914400" rtl="0" eaLnBrk="1" latinLnBrk="1" hangingPunct="1">
+      <a:defRPr sz="1200" kern="1200">
+        <a:solidFill>
+          <a:schemeClr val="tx1"/>
+        </a:solidFill>
+        <a:latin typeface="+mn-lt"/>
+        <a:ea typeface="+mn-ea"/>
+        <a:cs typeface="+mn-cs"/>
+      </a:defRPr>
+    </a:lvl8pPr>
+    <a:lvl9pPr marL="3657600" algn="l" defTabSz="914400" rtl="0" eaLnBrk="1" latinLnBrk="1" hangingPunct="1">
+      <a:defRPr sz="1200" kern="1200">
+        <a:solidFill>
+          <a:schemeClr val="tx1"/>
+        </a:solidFill>
+        <a:latin typeface="+mn-lt"/>
+        <a:ea typeface="+mn-ea"/>
+        <a:cs typeface="+mn-cs"/>
+      </a:defRPr>
+    </a:lvl9pPr>
+  </p:notesStyle>
+</p:notesMaster>
+</file>
+
 <file path=ppt/slideLayouts/slideLayout1.xml><?xml version="1.0" encoding="utf-8"?>
-<p:sldLayout xmlns:a="http://schemas.openxmlformats.org/drawingml/2006/main" xmlns:r="http://schemas.openxmlformats.org/officeDocument/2006/relationships" xmlns:p="http://schemas.openxmlformats.org/presentationml/2006/main" preserve="1" userDrawn="1">
-  <p:cSld name="제목 슬라이드">
+<p:sldLayout xmlns:a="http://schemas.openxmlformats.org/drawingml/2006/main" xmlns:r="http://schemas.openxmlformats.org/officeDocument/2006/relationships" xmlns:p="http://schemas.openxmlformats.org/presentationml/2006/main" userDrawn="1">
+  <p:cSld name="1_제목 슬라이드">
     <p:spTree>
       <p:nvGrpSpPr>
         <p:cNvPr id="1" name=""/>
@@ -1490,10 +1842,104 @@
           </a:prstGeom>
         </p:spPr>
       </p:pic>
+      <p:sp>
+        <p:nvSpPr>
+          <p:cNvPr id="2" name="날짜 개체 틀 1">
+            <a:extLst>
+              <a:ext uri="{FF2B5EF4-FFF2-40B4-BE49-F238E27FC236}">
+                <a16:creationId xmlns:a16="http://schemas.microsoft.com/office/drawing/2014/main" id="{D34A6F3D-8C0D-5E3A-8A87-32757035A614}"/>
+              </a:ext>
+            </a:extLst>
+          </p:cNvPr>
+          <p:cNvSpPr>
+            <a:spLocks noGrp="1"/>
+          </p:cNvSpPr>
+          <p:nvPr>
+            <p:ph type="dt" sz="half" idx="11"/>
+          </p:nvPr>
+        </p:nvSpPr>
+        <p:spPr/>
+        <p:txBody>
+          <a:bodyPr/>
+          <a:lstStyle/>
+          <a:p>
+            <a:fld id="{45C3E953-5C3C-480F-B6B2-633F0A52CDAE}" type="datetime1">
+              <a:rPr lang="ko-KR" altLang="en-US" smtClean="0"/>
+              <a:t>2023-04-14</a:t>
+            </a:fld>
+            <a:endParaRPr lang="ko-KR" altLang="en-US"/>
+          </a:p>
+        </p:txBody>
+      </p:sp>
+      <p:sp>
+        <p:nvSpPr>
+          <p:cNvPr id="3" name="바닥글 개체 틀 2">
+            <a:extLst>
+              <a:ext uri="{FF2B5EF4-FFF2-40B4-BE49-F238E27FC236}">
+                <a16:creationId xmlns:a16="http://schemas.microsoft.com/office/drawing/2014/main" id="{FF1439BB-4874-2F2A-2CE1-5CCD35B28A9D}"/>
+              </a:ext>
+            </a:extLst>
+          </p:cNvPr>
+          <p:cNvSpPr>
+            <a:spLocks noGrp="1"/>
+          </p:cNvSpPr>
+          <p:nvPr>
+            <p:ph type="ftr" sz="quarter" idx="12"/>
+          </p:nvPr>
+        </p:nvSpPr>
+        <p:spPr/>
+        <p:txBody>
+          <a:bodyPr/>
+          <a:lstStyle/>
+          <a:p>
+            <a:endParaRPr lang="ko-KR" altLang="en-US"/>
+          </a:p>
+        </p:txBody>
+      </p:sp>
+      <p:sp>
+        <p:nvSpPr>
+          <p:cNvPr id="4" name="슬라이드 번호 개체 틀 3">
+            <a:extLst>
+              <a:ext uri="{FF2B5EF4-FFF2-40B4-BE49-F238E27FC236}">
+                <a16:creationId xmlns:a16="http://schemas.microsoft.com/office/drawing/2014/main" id="{A7CDE012-60D0-C5E4-14DB-C31E11D7B149}"/>
+              </a:ext>
+            </a:extLst>
+          </p:cNvPr>
+          <p:cNvSpPr>
+            <a:spLocks noGrp="1"/>
+          </p:cNvSpPr>
+          <p:nvPr>
+            <p:ph type="sldNum" sz="quarter" idx="13"/>
+          </p:nvPr>
+        </p:nvSpPr>
+        <p:spPr/>
+        <p:txBody>
+          <a:bodyPr vert="horz" lIns="91440" tIns="45720" rIns="91440" bIns="45720" rtlCol="0" anchor="ctr"/>
+          <a:lstStyle>
+            <a:lvl1pPr>
+              <a:defRPr lang="ko-KR" altLang="en-US" smtClean="0">
+                <a:solidFill>
+                  <a:srgbClr val="3B3F42"/>
+                </a:solidFill>
+                <a:latin typeface="Tahoma" panose="020B0604030504040204" pitchFamily="34" charset="0"/>
+                <a:cs typeface="Tahoma" panose="020B0604030504040204" pitchFamily="34" charset="0"/>
+              </a:defRPr>
+            </a:lvl1pPr>
+          </a:lstStyle>
+          <a:p>
+            <a:fld id="{9A61A9F1-453A-41B3-95FE-CC52454C9BE1}" type="slidenum">
+              <a:rPr lang="en-US" altLang="ko-KR" smtClean="0"/>
+              <a:pPr/>
+              <a:t>‹#›</a:t>
+            </a:fld>
+            <a:endParaRPr lang="en-US" altLang="ko-KR"/>
+          </a:p>
+        </p:txBody>
+      </p:sp>
     </p:spTree>
     <p:extLst>
       <p:ext uri="{BB962C8B-B14F-4D97-AF65-F5344CB8AC3E}">
-        <p14:creationId xmlns:p14="http://schemas.microsoft.com/office/powerpoint/2010/main" val="996265661"/>
+        <p14:creationId xmlns:p14="http://schemas.microsoft.com/office/powerpoint/2010/main" val="3342229761"/>
       </p:ext>
     </p:extLst>
   </p:cSld>
@@ -1503,12 +1949,12 @@
   <p:extLst>
     <p:ext uri="{DCECCB84-F9BA-43D5-87BE-67443E8EF086}">
       <p15:sldGuideLst xmlns:p15="http://schemas.microsoft.com/office/powerpoint/2012/main">
-        <p15:guide id="1" orient="horz" pos="2137" userDrawn="1">
+        <p15:guide id="1" orient="horz" pos="2137">
           <p15:clr>
             <a:srgbClr val="FBAE40"/>
           </p15:clr>
         </p15:guide>
-        <p15:guide id="2" pos="3840" userDrawn="1">
+        <p15:guide id="2" pos="3840">
           <p15:clr>
             <a:srgbClr val="FBAE40"/>
           </p15:clr>
@@ -1520,7 +1966,7 @@
 </file>
 
 <file path=ppt/slideLayouts/slideLayout2.xml><?xml version="1.0" encoding="utf-8"?>
-<p:sldLayout xmlns:a="http://schemas.openxmlformats.org/drawingml/2006/main" xmlns:r="http://schemas.openxmlformats.org/officeDocument/2006/relationships" xmlns:p="http://schemas.openxmlformats.org/presentationml/2006/main" preserve="1" userDrawn="1">
+<p:sldLayout xmlns:a="http://schemas.openxmlformats.org/drawingml/2006/main" xmlns:r="http://schemas.openxmlformats.org/officeDocument/2006/relationships" xmlns:p="http://schemas.openxmlformats.org/presentationml/2006/main" userDrawn="1">
   <p:cSld name="사용자 지정 레이아웃">
     <p:spTree>
       <p:nvGrpSpPr>
@@ -1948,10 +2394,104 @@
           </p:txBody>
         </p:sp>
       </p:grpSp>
+      <p:sp>
+        <p:nvSpPr>
+          <p:cNvPr id="2" name="날짜 개체 틀 1">
+            <a:extLst>
+              <a:ext uri="{FF2B5EF4-FFF2-40B4-BE49-F238E27FC236}">
+                <a16:creationId xmlns:a16="http://schemas.microsoft.com/office/drawing/2014/main" id="{F51DD325-CD85-61EC-33B7-04D608F4BC52}"/>
+              </a:ext>
+            </a:extLst>
+          </p:cNvPr>
+          <p:cNvSpPr>
+            <a:spLocks noGrp="1"/>
+          </p:cNvSpPr>
+          <p:nvPr>
+            <p:ph type="dt" sz="half" idx="10"/>
+          </p:nvPr>
+        </p:nvSpPr>
+        <p:spPr/>
+        <p:txBody>
+          <a:bodyPr/>
+          <a:lstStyle/>
+          <a:p>
+            <a:fld id="{117D7A83-154F-4D5C-AA59-B2C611D81D3E}" type="datetime1">
+              <a:rPr lang="ko-KR" altLang="en-US" smtClean="0"/>
+              <a:t>2023-04-14</a:t>
+            </a:fld>
+            <a:endParaRPr lang="ko-KR" altLang="en-US"/>
+          </a:p>
+        </p:txBody>
+      </p:sp>
+      <p:sp>
+        <p:nvSpPr>
+          <p:cNvPr id="10" name="바닥글 개체 틀 9">
+            <a:extLst>
+              <a:ext uri="{FF2B5EF4-FFF2-40B4-BE49-F238E27FC236}">
+                <a16:creationId xmlns:a16="http://schemas.microsoft.com/office/drawing/2014/main" id="{7B5BBA73-FD8D-CCF8-0994-EDA1E2E037DF}"/>
+              </a:ext>
+            </a:extLst>
+          </p:cNvPr>
+          <p:cNvSpPr>
+            <a:spLocks noGrp="1"/>
+          </p:cNvSpPr>
+          <p:nvPr>
+            <p:ph type="ftr" sz="quarter" idx="11"/>
+          </p:nvPr>
+        </p:nvSpPr>
+        <p:spPr/>
+        <p:txBody>
+          <a:bodyPr/>
+          <a:lstStyle/>
+          <a:p>
+            <a:endParaRPr lang="ko-KR" altLang="en-US"/>
+          </a:p>
+        </p:txBody>
+      </p:sp>
+      <p:sp>
+        <p:nvSpPr>
+          <p:cNvPr id="11" name="슬라이드 번호 개체 틀 10">
+            <a:extLst>
+              <a:ext uri="{FF2B5EF4-FFF2-40B4-BE49-F238E27FC236}">
+                <a16:creationId xmlns:a16="http://schemas.microsoft.com/office/drawing/2014/main" id="{BD56BE06-8377-972C-29B4-585B22B2587F}"/>
+              </a:ext>
+            </a:extLst>
+          </p:cNvPr>
+          <p:cNvSpPr>
+            <a:spLocks noGrp="1"/>
+          </p:cNvSpPr>
+          <p:nvPr>
+            <p:ph type="sldNum" sz="quarter" idx="12"/>
+          </p:nvPr>
+        </p:nvSpPr>
+        <p:spPr/>
+        <p:txBody>
+          <a:bodyPr vert="horz" lIns="91440" tIns="45720" rIns="91440" bIns="45720" rtlCol="0" anchor="ctr"/>
+          <a:lstStyle>
+            <a:lvl1pPr>
+              <a:defRPr lang="ko-KR" altLang="en-US" smtClean="0">
+                <a:solidFill>
+                  <a:srgbClr val="3B3F42"/>
+                </a:solidFill>
+                <a:latin typeface="Tahoma" panose="020B0604030504040204" pitchFamily="34" charset="0"/>
+                <a:cs typeface="Tahoma" panose="020B0604030504040204" pitchFamily="34" charset="0"/>
+              </a:defRPr>
+            </a:lvl1pPr>
+          </a:lstStyle>
+          <a:p>
+            <a:fld id="{9A61A9F1-453A-41B3-95FE-CC52454C9BE1}" type="slidenum">
+              <a:rPr lang="en-US" altLang="ko-KR" smtClean="0"/>
+              <a:pPr/>
+              <a:t>‹#›</a:t>
+            </a:fld>
+            <a:endParaRPr lang="en-US" altLang="ko-KR"/>
+          </a:p>
+        </p:txBody>
+      </p:sp>
     </p:spTree>
     <p:extLst>
       <p:ext uri="{BB962C8B-B14F-4D97-AF65-F5344CB8AC3E}">
-        <p14:creationId xmlns:p14="http://schemas.microsoft.com/office/powerpoint/2010/main" val="747935152"/>
+        <p14:creationId xmlns:p14="http://schemas.microsoft.com/office/powerpoint/2010/main" val="1973386183"/>
       </p:ext>
     </p:extLst>
   </p:cSld>
@@ -1962,7 +2502,7 @@
 </file>
 
 <file path=ppt/slideLayouts/slideLayout3.xml><?xml version="1.0" encoding="utf-8"?>
-<p:sldLayout xmlns:a="http://schemas.openxmlformats.org/drawingml/2006/main" xmlns:r="http://schemas.openxmlformats.org/officeDocument/2006/relationships" xmlns:p="http://schemas.openxmlformats.org/presentationml/2006/main" preserve="1" userDrawn="1">
+<p:sldLayout xmlns:a="http://schemas.openxmlformats.org/drawingml/2006/main" xmlns:r="http://schemas.openxmlformats.org/officeDocument/2006/relationships" xmlns:p="http://schemas.openxmlformats.org/presentationml/2006/main" userDrawn="1">
   <p:cSld name="1_사용자 지정 레이아웃">
     <p:spTree>
       <p:nvGrpSpPr>
@@ -2331,10 +2871,104 @@
           </a:p>
         </p:txBody>
       </p:sp>
+      <p:sp>
+        <p:nvSpPr>
+          <p:cNvPr id="5" name="날짜 개체 틀 4">
+            <a:extLst>
+              <a:ext uri="{FF2B5EF4-FFF2-40B4-BE49-F238E27FC236}">
+                <a16:creationId xmlns:a16="http://schemas.microsoft.com/office/drawing/2014/main" id="{B4BD44B3-6D62-9084-B4D8-448F97D54D23}"/>
+              </a:ext>
+            </a:extLst>
+          </p:cNvPr>
+          <p:cNvSpPr>
+            <a:spLocks noGrp="1"/>
+          </p:cNvSpPr>
+          <p:nvPr>
+            <p:ph type="dt" sz="half" idx="10"/>
+          </p:nvPr>
+        </p:nvSpPr>
+        <p:spPr/>
+        <p:txBody>
+          <a:bodyPr/>
+          <a:lstStyle/>
+          <a:p>
+            <a:fld id="{40293F9C-EABC-43D0-AABB-B244D2BBF50D}" type="datetime1">
+              <a:rPr lang="ko-KR" altLang="en-US" smtClean="0"/>
+              <a:t>2023-04-14</a:t>
+            </a:fld>
+            <a:endParaRPr lang="ko-KR" altLang="en-US"/>
+          </a:p>
+        </p:txBody>
+      </p:sp>
+      <p:sp>
+        <p:nvSpPr>
+          <p:cNvPr id="6" name="바닥글 개체 틀 5">
+            <a:extLst>
+              <a:ext uri="{FF2B5EF4-FFF2-40B4-BE49-F238E27FC236}">
+                <a16:creationId xmlns:a16="http://schemas.microsoft.com/office/drawing/2014/main" id="{6A7ECDCE-9B58-A656-BB1C-0452F129A141}"/>
+              </a:ext>
+            </a:extLst>
+          </p:cNvPr>
+          <p:cNvSpPr>
+            <a:spLocks noGrp="1"/>
+          </p:cNvSpPr>
+          <p:nvPr>
+            <p:ph type="ftr" sz="quarter" idx="11"/>
+          </p:nvPr>
+        </p:nvSpPr>
+        <p:spPr/>
+        <p:txBody>
+          <a:bodyPr/>
+          <a:lstStyle/>
+          <a:p>
+            <a:endParaRPr lang="ko-KR" altLang="en-US"/>
+          </a:p>
+        </p:txBody>
+      </p:sp>
+      <p:sp>
+        <p:nvSpPr>
+          <p:cNvPr id="7" name="슬라이드 번호 개체 틀 6">
+            <a:extLst>
+              <a:ext uri="{FF2B5EF4-FFF2-40B4-BE49-F238E27FC236}">
+                <a16:creationId xmlns:a16="http://schemas.microsoft.com/office/drawing/2014/main" id="{CC5094EE-D623-EB4F-18EA-266134241FA9}"/>
+              </a:ext>
+            </a:extLst>
+          </p:cNvPr>
+          <p:cNvSpPr>
+            <a:spLocks noGrp="1"/>
+          </p:cNvSpPr>
+          <p:nvPr>
+            <p:ph type="sldNum" sz="quarter" idx="12"/>
+          </p:nvPr>
+        </p:nvSpPr>
+        <p:spPr/>
+        <p:txBody>
+          <a:bodyPr vert="horz" lIns="91440" tIns="45720" rIns="91440" bIns="45720" rtlCol="0" anchor="ctr"/>
+          <a:lstStyle>
+            <a:lvl1pPr>
+              <a:defRPr lang="ko-KR" altLang="en-US" smtClean="0">
+                <a:solidFill>
+                  <a:srgbClr val="3B3F42"/>
+                </a:solidFill>
+                <a:latin typeface="Tahoma" panose="020B0604030504040204" pitchFamily="34" charset="0"/>
+                <a:cs typeface="Tahoma" panose="020B0604030504040204" pitchFamily="34" charset="0"/>
+              </a:defRPr>
+            </a:lvl1pPr>
+          </a:lstStyle>
+          <a:p>
+            <a:fld id="{9A61A9F1-453A-41B3-95FE-CC52454C9BE1}" type="slidenum">
+              <a:rPr lang="en-US" altLang="ko-KR" smtClean="0"/>
+              <a:pPr/>
+              <a:t>‹#›</a:t>
+            </a:fld>
+            <a:endParaRPr lang="en-US" altLang="ko-KR"/>
+          </a:p>
+        </p:txBody>
+      </p:sp>
     </p:spTree>
     <p:extLst>
       <p:ext uri="{BB962C8B-B14F-4D97-AF65-F5344CB8AC3E}">
-        <p14:creationId xmlns:p14="http://schemas.microsoft.com/office/powerpoint/2010/main" val="3889236790"/>
+        <p14:creationId xmlns:p14="http://schemas.microsoft.com/office/powerpoint/2010/main" val="2344670322"/>
       </p:ext>
     </p:extLst>
   </p:cSld>
@@ -2345,7 +2979,7 @@
 </file>
 
 <file path=ppt/slideLayouts/slideLayout4.xml><?xml version="1.0" encoding="utf-8"?>
-<p:sldLayout xmlns:a="http://schemas.openxmlformats.org/drawingml/2006/main" xmlns:r="http://schemas.openxmlformats.org/officeDocument/2006/relationships" xmlns:p="http://schemas.openxmlformats.org/presentationml/2006/main" preserve="1" userDrawn="1">
+<p:sldLayout xmlns:a="http://schemas.openxmlformats.org/drawingml/2006/main" xmlns:r="http://schemas.openxmlformats.org/officeDocument/2006/relationships" xmlns:p="http://schemas.openxmlformats.org/presentationml/2006/main" userDrawn="1">
   <p:cSld name="2_사용자 지정 레이아웃">
     <p:spTree>
       <p:nvGrpSpPr>
@@ -3213,7 +3847,7 @@
         <p:spPr>
           <a:xfrm>
             <a:off x="451363" y="2471900"/>
-            <a:ext cx="11359297" cy="4141372"/>
+            <a:ext cx="11359297" cy="3724416"/>
           </a:xfrm>
           <a:prstGeom prst="rect">
             <a:avLst/>
@@ -3438,10 +4072,124 @@
           </p:txBody>
         </p:sp>
       </p:grpSp>
+      <p:sp>
+        <p:nvSpPr>
+          <p:cNvPr id="2" name="날짜 개체 틀 1">
+            <a:extLst>
+              <a:ext uri="{FF2B5EF4-FFF2-40B4-BE49-F238E27FC236}">
+                <a16:creationId xmlns:a16="http://schemas.microsoft.com/office/drawing/2014/main" id="{4ED28AC7-46F4-8EEC-F93D-8E3CAE21B9AF}"/>
+              </a:ext>
+            </a:extLst>
+          </p:cNvPr>
+          <p:cNvSpPr>
+            <a:spLocks noGrp="1"/>
+          </p:cNvSpPr>
+          <p:nvPr>
+            <p:ph type="dt" sz="half" idx="10"/>
+          </p:nvPr>
+        </p:nvSpPr>
+        <p:spPr/>
+        <p:txBody>
+          <a:bodyPr/>
+          <a:lstStyle>
+            <a:lvl1pPr>
+              <a:defRPr>
+                <a:solidFill>
+                  <a:srgbClr val="3B3F42"/>
+                </a:solidFill>
+                <a:latin typeface="Tahoma" panose="020B0604030504040204" pitchFamily="34" charset="0"/>
+                <a:cs typeface="Tahoma" panose="020B0604030504040204" pitchFamily="34" charset="0"/>
+              </a:defRPr>
+            </a:lvl1pPr>
+          </a:lstStyle>
+          <a:p>
+            <a:fld id="{A05B5F26-340F-48AD-B421-2DB56D392562}" type="datetime1">
+              <a:rPr lang="ko-KR" altLang="en-US" smtClean="0"/>
+              <a:t>2023-04-14</a:t>
+            </a:fld>
+            <a:endParaRPr lang="ko-KR" altLang="en-US"/>
+          </a:p>
+        </p:txBody>
+      </p:sp>
+      <p:sp>
+        <p:nvSpPr>
+          <p:cNvPr id="4" name="바닥글 개체 틀 3">
+            <a:extLst>
+              <a:ext uri="{FF2B5EF4-FFF2-40B4-BE49-F238E27FC236}">
+                <a16:creationId xmlns:a16="http://schemas.microsoft.com/office/drawing/2014/main" id="{4CF55F0B-2341-13D3-07DA-1C105E003B56}"/>
+              </a:ext>
+            </a:extLst>
+          </p:cNvPr>
+          <p:cNvSpPr>
+            <a:spLocks noGrp="1"/>
+          </p:cNvSpPr>
+          <p:nvPr>
+            <p:ph type="ftr" sz="quarter" idx="11"/>
+          </p:nvPr>
+        </p:nvSpPr>
+        <p:spPr/>
+        <p:txBody>
+          <a:bodyPr/>
+          <a:lstStyle>
+            <a:lvl1pPr>
+              <a:defRPr>
+                <a:solidFill>
+                  <a:srgbClr val="3B3F42"/>
+                </a:solidFill>
+                <a:latin typeface="Tahoma" panose="020B0604030504040204" pitchFamily="34" charset="0"/>
+                <a:cs typeface="Tahoma" panose="020B0604030504040204" pitchFamily="34" charset="0"/>
+              </a:defRPr>
+            </a:lvl1pPr>
+          </a:lstStyle>
+          <a:p>
+            <a:endParaRPr lang="ko-KR" altLang="en-US"/>
+          </a:p>
+        </p:txBody>
+      </p:sp>
+      <p:sp>
+        <p:nvSpPr>
+          <p:cNvPr id="5" name="슬라이드 번호 개체 틀 4">
+            <a:extLst>
+              <a:ext uri="{FF2B5EF4-FFF2-40B4-BE49-F238E27FC236}">
+                <a16:creationId xmlns:a16="http://schemas.microsoft.com/office/drawing/2014/main" id="{92EA8465-DFE4-DC4B-3668-E798EDC2149C}"/>
+              </a:ext>
+            </a:extLst>
+          </p:cNvPr>
+          <p:cNvSpPr>
+            <a:spLocks noGrp="1"/>
+          </p:cNvSpPr>
+          <p:nvPr>
+            <p:ph type="sldNum" sz="quarter" idx="12"/>
+          </p:nvPr>
+        </p:nvSpPr>
+        <p:spPr/>
+        <p:txBody>
+          <a:bodyPr/>
+          <a:lstStyle>
+            <a:lvl1pPr>
+              <a:defRPr>
+                <a:solidFill>
+                  <a:srgbClr val="3B3F42"/>
+                </a:solidFill>
+                <a:latin typeface="Tahoma" panose="020B0604030504040204" pitchFamily="34" charset="0"/>
+                <a:cs typeface="Tahoma" panose="020B0604030504040204" pitchFamily="34" charset="0"/>
+              </a:defRPr>
+            </a:lvl1pPr>
+          </a:lstStyle>
+          <a:p>
+            <a:fld id="{9A61A9F1-453A-41B3-95FE-CC52454C9BE1}" type="slidenum">
+              <a:rPr lang="ko-KR" altLang="en-US" smtClean="0"/>
+              <a:pPr/>
+              <a:t>‹#›</a:t>
+            </a:fld>
+            <a:endParaRPr lang="ko-KR" altLang="en-US"/>
+          </a:p>
+        </p:txBody>
+      </p:sp>
     </p:spTree>
     <p:extLst>
       <p:ext uri="{BB962C8B-B14F-4D97-AF65-F5344CB8AC3E}">
-        <p14:creationId xmlns:p14="http://schemas.microsoft.com/office/powerpoint/2010/main" val="3094083129"/>
+        <p14:creationId xmlns:p14="http://schemas.microsoft.com/office/powerpoint/2010/main" val="3646237963"/>
       </p:ext>
     </p:extLst>
   </p:cSld>
@@ -3452,7 +4200,7 @@
 </file>
 
 <file path=ppt/slideMasters/slideMaster1.xml><?xml version="1.0" encoding="utf-8"?>
-<p:sldMaster xmlns:a="http://schemas.openxmlformats.org/drawingml/2006/main" xmlns:r="http://schemas.openxmlformats.org/officeDocument/2006/relationships" xmlns:p="http://schemas.openxmlformats.org/presentationml/2006/main">
+<p:sldMaster xmlns:a="http://schemas.openxmlformats.org/drawingml/2006/main" xmlns:r="http://schemas.openxmlformats.org/officeDocument/2006/relationships" xmlns:p="http://schemas.openxmlformats.org/presentationml/2006/main" preserve="1">
   <p:cSld>
     <p:bg>
       <p:bgRef idx="1001">
@@ -3475,10 +4223,10 @@
       </p:grpSpPr>
       <p:sp>
         <p:nvSpPr>
-          <p:cNvPr id="64" name="제목 개체 틀 63">
+          <p:cNvPr id="2" name="제목 개체 틀 1">
             <a:extLst>
               <a:ext uri="{FF2B5EF4-FFF2-40B4-BE49-F238E27FC236}">
-                <a16:creationId xmlns:a16="http://schemas.microsoft.com/office/drawing/2014/main" id="{EFCBD491-A298-0E58-0BE4-6EC00B46CF09}"/>
+                <a16:creationId xmlns:a16="http://schemas.microsoft.com/office/drawing/2014/main" id="{28CD918D-37B0-C96F-2AB6-A856F8E22D38}"/>
               </a:ext>
             </a:extLst>
           </p:cNvPr>
@@ -3504,16 +4252,19 @@
           </a:bodyPr>
           <a:lstStyle/>
           <a:p>
-            <a:endParaRPr lang="ko-KR" altLang="en-US" dirty="0"/>
+            <a:r>
+              <a:rPr lang="ko-KR" altLang="en-US"/>
+              <a:t>마스터 제목 스타일 편집</a:t>
+            </a:r>
           </a:p>
         </p:txBody>
       </p:sp>
       <p:sp>
         <p:nvSpPr>
-          <p:cNvPr id="65" name="텍스트 개체 틀 64">
+          <p:cNvPr id="3" name="텍스트 개체 틀 2">
             <a:extLst>
               <a:ext uri="{FF2B5EF4-FFF2-40B4-BE49-F238E27FC236}">
-                <a16:creationId xmlns:a16="http://schemas.microsoft.com/office/drawing/2014/main" id="{246089BC-8384-F3D6-F668-0FD48B7CDB39}"/>
+                <a16:creationId xmlns:a16="http://schemas.microsoft.com/office/drawing/2014/main" id="{31CDDE55-DF6E-A119-2AFB-33AC0496E648}"/>
               </a:ext>
             </a:extLst>
           </p:cNvPr>
@@ -3540,24 +4291,193 @@
           <a:lstStyle/>
           <a:p>
             <a:pPr lvl="0"/>
-            <a:endParaRPr lang="ko-KR" altLang="en-US" dirty="0"/>
+            <a:r>
+              <a:rPr lang="ko-KR" altLang="en-US"/>
+              <a:t>마스터 텍스트 스타일을 편집하려면 클릭</a:t>
+            </a:r>
+          </a:p>
+          <a:p>
+            <a:pPr lvl="1"/>
+            <a:r>
+              <a:rPr lang="ko-KR" altLang="en-US"/>
+              <a:t>두 번째 수준</a:t>
+            </a:r>
+          </a:p>
+          <a:p>
+            <a:pPr lvl="2"/>
+            <a:r>
+              <a:rPr lang="ko-KR" altLang="en-US"/>
+              <a:t>세 번째 수준</a:t>
+            </a:r>
+          </a:p>
+          <a:p>
+            <a:pPr lvl="3"/>
+            <a:r>
+              <a:rPr lang="ko-KR" altLang="en-US"/>
+              <a:t>네 번째 수준</a:t>
+            </a:r>
+          </a:p>
+          <a:p>
+            <a:pPr lvl="4"/>
+            <a:r>
+              <a:rPr lang="ko-KR" altLang="en-US"/>
+              <a:t>다섯 번째 수준</a:t>
+            </a:r>
+          </a:p>
+        </p:txBody>
+      </p:sp>
+      <p:sp>
+        <p:nvSpPr>
+          <p:cNvPr id="4" name="날짜 개체 틀 3">
+            <a:extLst>
+              <a:ext uri="{FF2B5EF4-FFF2-40B4-BE49-F238E27FC236}">
+                <a16:creationId xmlns:a16="http://schemas.microsoft.com/office/drawing/2014/main" id="{47C3EEC5-AB39-022F-40D1-7F4430D60CF6}"/>
+              </a:ext>
+            </a:extLst>
+          </p:cNvPr>
+          <p:cNvSpPr>
+            <a:spLocks noGrp="1"/>
+          </p:cNvSpPr>
+          <p:nvPr>
+            <p:ph type="dt" sz="half" idx="2"/>
+          </p:nvPr>
+        </p:nvSpPr>
+        <p:spPr>
+          <a:xfrm>
+            <a:off x="838200" y="6356350"/>
+            <a:ext cx="2743200" cy="365125"/>
+          </a:xfrm>
+          <a:prstGeom prst="rect">
+            <a:avLst/>
+          </a:prstGeom>
+        </p:spPr>
+        <p:txBody>
+          <a:bodyPr vert="horz" lIns="91440" tIns="45720" rIns="91440" bIns="45720" rtlCol="0" anchor="ctr"/>
+          <a:lstStyle>
+            <a:lvl1pPr algn="l">
+              <a:defRPr sz="1200">
+                <a:solidFill>
+                  <a:schemeClr val="tx1">
+                    <a:tint val="75000"/>
+                  </a:schemeClr>
+                </a:solidFill>
+              </a:defRPr>
+            </a:lvl1pPr>
+          </a:lstStyle>
+          <a:p>
+            <a:fld id="{DAD04803-0F4E-4590-A40D-477C2136BBFD}" type="datetime1">
+              <a:rPr lang="ko-KR" altLang="en-US" smtClean="0"/>
+              <a:t>2023-04-14</a:t>
+            </a:fld>
+            <a:endParaRPr lang="ko-KR" altLang="en-US"/>
+          </a:p>
+        </p:txBody>
+      </p:sp>
+      <p:sp>
+        <p:nvSpPr>
+          <p:cNvPr id="5" name="바닥글 개체 틀 4">
+            <a:extLst>
+              <a:ext uri="{FF2B5EF4-FFF2-40B4-BE49-F238E27FC236}">
+                <a16:creationId xmlns:a16="http://schemas.microsoft.com/office/drawing/2014/main" id="{AD999C64-E358-AD60-7B74-13FD4F7BC20A}"/>
+              </a:ext>
+            </a:extLst>
+          </p:cNvPr>
+          <p:cNvSpPr>
+            <a:spLocks noGrp="1"/>
+          </p:cNvSpPr>
+          <p:nvPr>
+            <p:ph type="ftr" sz="quarter" idx="3"/>
+          </p:nvPr>
+        </p:nvSpPr>
+        <p:spPr>
+          <a:xfrm>
+            <a:off x="4038600" y="6356350"/>
+            <a:ext cx="4114800" cy="365125"/>
+          </a:xfrm>
+          <a:prstGeom prst="rect">
+            <a:avLst/>
+          </a:prstGeom>
+        </p:spPr>
+        <p:txBody>
+          <a:bodyPr vert="horz" lIns="91440" tIns="45720" rIns="91440" bIns="45720" rtlCol="0" anchor="ctr"/>
+          <a:lstStyle>
+            <a:lvl1pPr algn="ctr">
+              <a:defRPr sz="1200">
+                <a:solidFill>
+                  <a:schemeClr val="tx1">
+                    <a:tint val="75000"/>
+                  </a:schemeClr>
+                </a:solidFill>
+              </a:defRPr>
+            </a:lvl1pPr>
+          </a:lstStyle>
+          <a:p>
+            <a:endParaRPr lang="ko-KR" altLang="en-US"/>
+          </a:p>
+        </p:txBody>
+      </p:sp>
+      <p:sp>
+        <p:nvSpPr>
+          <p:cNvPr id="6" name="슬라이드 번호 개체 틀 5">
+            <a:extLst>
+              <a:ext uri="{FF2B5EF4-FFF2-40B4-BE49-F238E27FC236}">
+                <a16:creationId xmlns:a16="http://schemas.microsoft.com/office/drawing/2014/main" id="{640643A7-0D5C-72AC-0955-6302B50AD00F}"/>
+              </a:ext>
+            </a:extLst>
+          </p:cNvPr>
+          <p:cNvSpPr>
+            <a:spLocks noGrp="1"/>
+          </p:cNvSpPr>
+          <p:nvPr>
+            <p:ph type="sldNum" sz="quarter" idx="4"/>
+          </p:nvPr>
+        </p:nvSpPr>
+        <p:spPr>
+          <a:xfrm>
+            <a:off x="8610600" y="6356350"/>
+            <a:ext cx="2743200" cy="365125"/>
+          </a:xfrm>
+          <a:prstGeom prst="rect">
+            <a:avLst/>
+          </a:prstGeom>
+        </p:spPr>
+        <p:txBody>
+          <a:bodyPr vert="horz" lIns="91440" tIns="45720" rIns="91440" bIns="45720" rtlCol="0" anchor="ctr"/>
+          <a:lstStyle>
+            <a:lvl1pPr algn="r">
+              <a:defRPr sz="1200">
+                <a:solidFill>
+                  <a:schemeClr val="tx1">
+                    <a:tint val="75000"/>
+                  </a:schemeClr>
+                </a:solidFill>
+              </a:defRPr>
+            </a:lvl1pPr>
+          </a:lstStyle>
+          <a:p>
+            <a:fld id="{9A61A9F1-453A-41B3-95FE-CC52454C9BE1}" type="slidenum">
+              <a:rPr lang="ko-KR" altLang="en-US" smtClean="0"/>
+              <a:t>‹#›</a:t>
+            </a:fld>
+            <a:endParaRPr lang="ko-KR" altLang="en-US"/>
           </a:p>
         </p:txBody>
       </p:sp>
     </p:spTree>
     <p:extLst>
       <p:ext uri="{BB962C8B-B14F-4D97-AF65-F5344CB8AC3E}">
-        <p14:creationId xmlns:p14="http://schemas.microsoft.com/office/powerpoint/2010/main" val="853768981"/>
+        <p14:creationId xmlns:p14="http://schemas.microsoft.com/office/powerpoint/2010/main" val="88184274"/>
       </p:ext>
     </p:extLst>
   </p:cSld>
   <p:clrMap bg1="lt1" tx1="dk1" bg2="lt2" tx2="dk2" accent1="accent1" accent2="accent2" accent3="accent3" accent4="accent4" accent5="accent5" accent6="accent6" hlink="hlink" folHlink="folHlink"/>
   <p:sldLayoutIdLst>
-    <p:sldLayoutId id="2147483649" r:id="rId1"/>
-    <p:sldLayoutId id="2147483650" r:id="rId2"/>
-    <p:sldLayoutId id="2147483651" r:id="rId3"/>
-    <p:sldLayoutId id="2147483652" r:id="rId4"/>
+    <p:sldLayoutId id="2147483659" r:id="rId1"/>
+    <p:sldLayoutId id="2147483660" r:id="rId2"/>
+    <p:sldLayoutId id="2147483661" r:id="rId3"/>
+    <p:sldLayoutId id="2147483662" r:id="rId4"/>
   </p:sldLayoutIdLst>
+  <p:hf hdr="0" ftr="0" dt="0"/>
   <p:txStyles>
     <p:titleStyle>
       <a:lvl1pPr algn="l" defTabSz="914400" rtl="0" eaLnBrk="1" latinLnBrk="1" hangingPunct="1">
@@ -4197,6 +5117,36 @@
           </a:p>
         </p:txBody>
       </p:sp>
+      <p:sp>
+        <p:nvSpPr>
+          <p:cNvPr id="4" name="슬라이드 번호 개체 틀 3">
+            <a:extLst>
+              <a:ext uri="{FF2B5EF4-FFF2-40B4-BE49-F238E27FC236}">
+                <a16:creationId xmlns:a16="http://schemas.microsoft.com/office/drawing/2014/main" id="{F3F4D754-CB01-E2E9-943C-FD6C4DAB11BE}"/>
+              </a:ext>
+            </a:extLst>
+          </p:cNvPr>
+          <p:cNvSpPr>
+            <a:spLocks noGrp="1"/>
+          </p:cNvSpPr>
+          <p:nvPr>
+            <p:ph type="sldNum" sz="quarter" idx="12"/>
+          </p:nvPr>
+        </p:nvSpPr>
+        <p:spPr/>
+        <p:txBody>
+          <a:bodyPr/>
+          <a:lstStyle/>
+          <a:p>
+            <a:fld id="{9A61A9F1-453A-41B3-95FE-CC52454C9BE1}" type="slidenum">
+              <a:rPr lang="en-US" altLang="ko-KR" smtClean="0"/>
+              <a:pPr/>
+              <a:t>2</a:t>
+            </a:fld>
+            <a:endParaRPr lang="en-US" altLang="ko-KR"/>
+          </a:p>
+        </p:txBody>
+      </p:sp>
     </p:spTree>
     <p:extLst>
       <p:ext uri="{BB962C8B-B14F-4D97-AF65-F5344CB8AC3E}">
@@ -4263,6 +5213,36 @@
           </a:p>
         </p:txBody>
       </p:sp>
+      <p:sp>
+        <p:nvSpPr>
+          <p:cNvPr id="2" name="슬라이드 번호 개체 틀 1">
+            <a:extLst>
+              <a:ext uri="{FF2B5EF4-FFF2-40B4-BE49-F238E27FC236}">
+                <a16:creationId xmlns:a16="http://schemas.microsoft.com/office/drawing/2014/main" id="{A4F7A4DD-171D-8E82-895A-C876D99E7BDD}"/>
+              </a:ext>
+            </a:extLst>
+          </p:cNvPr>
+          <p:cNvSpPr>
+            <a:spLocks noGrp="1"/>
+          </p:cNvSpPr>
+          <p:nvPr>
+            <p:ph type="sldNum" sz="quarter" idx="12"/>
+          </p:nvPr>
+        </p:nvSpPr>
+        <p:spPr/>
+        <p:txBody>
+          <a:bodyPr/>
+          <a:lstStyle/>
+          <a:p>
+            <a:fld id="{9A61A9F1-453A-41B3-95FE-CC52454C9BE1}" type="slidenum">
+              <a:rPr lang="en-US" altLang="ko-KR" smtClean="0"/>
+              <a:pPr/>
+              <a:t>3</a:t>
+            </a:fld>
+            <a:endParaRPr lang="en-US" altLang="ko-KR"/>
+          </a:p>
+        </p:txBody>
+      </p:sp>
     </p:spTree>
     <p:extLst>
       <p:ext uri="{BB962C8B-B14F-4D97-AF65-F5344CB8AC3E}">
@@ -4306,7 +5286,7 @@
             <a:spLocks noGrp="1"/>
           </p:cNvSpPr>
           <p:nvPr>
-            <p:ph type="subTitle" idx="4294967295"/>
+            <p:ph idx="1"/>
           </p:nvPr>
         </p:nvSpPr>
         <p:spPr>
@@ -4483,6 +5463,36 @@
           </a:p>
         </p:txBody>
       </p:sp>
+      <p:sp>
+        <p:nvSpPr>
+          <p:cNvPr id="2" name="슬라이드 번호 개체 틀 1">
+            <a:extLst>
+              <a:ext uri="{FF2B5EF4-FFF2-40B4-BE49-F238E27FC236}">
+                <a16:creationId xmlns:a16="http://schemas.microsoft.com/office/drawing/2014/main" id="{A9BBF6DC-3DA0-C640-E667-AF3AE6C92F7B}"/>
+              </a:ext>
+            </a:extLst>
+          </p:cNvPr>
+          <p:cNvSpPr>
+            <a:spLocks noGrp="1"/>
+          </p:cNvSpPr>
+          <p:nvPr>
+            <p:ph type="sldNum" sz="quarter" idx="12"/>
+          </p:nvPr>
+        </p:nvSpPr>
+        <p:spPr/>
+        <p:txBody>
+          <a:bodyPr/>
+          <a:lstStyle/>
+          <a:p>
+            <a:fld id="{9A61A9F1-453A-41B3-95FE-CC52454C9BE1}" type="slidenum">
+              <a:rPr lang="ko-KR" altLang="en-US" smtClean="0"/>
+              <a:pPr/>
+              <a:t>4</a:t>
+            </a:fld>
+            <a:endParaRPr lang="ko-KR" altLang="en-US"/>
+          </a:p>
+        </p:txBody>
+      </p:sp>
     </p:spTree>
     <p:extLst>
       <p:ext uri="{BB962C8B-B14F-4D97-AF65-F5344CB8AC3E}">
@@ -4497,7 +5507,7 @@
 </file>
 
 <file path=ppt/theme/theme1.xml><?xml version="1.0" encoding="utf-8"?>
-<a:theme xmlns:a="http://schemas.openxmlformats.org/drawingml/2006/main" name="Office 테마">
+<a:theme xmlns:a="http://schemas.openxmlformats.org/drawingml/2006/main" name="디자인 사용자 지정">
   <a:themeElements>
     <a:clrScheme name="Office">
       <a:dk1>
@@ -4537,16 +5547,110 @@
         <a:srgbClr val="954F72"/>
       </a:folHlink>
     </a:clrScheme>
-    <a:fontScheme name="사용자 지정 1">
+    <a:fontScheme name="Office">
       <a:majorFont>
-        <a:latin typeface="Tahoma"/>
-        <a:ea typeface="Tahoma"/>
+        <a:latin typeface="맑은 고딕" panose="020F0302020204030204"/>
+        <a:ea typeface=""/>
         <a:cs typeface=""/>
+        <a:font script="Jpan" typeface="游ゴシック Light"/>
+        <a:font script="Hang" typeface="맑은 고딕"/>
+        <a:font script="Hans" typeface="等线 Light"/>
+        <a:font script="Hant" typeface="新細明體"/>
+        <a:font script="Arab" typeface="Times New Roman"/>
+        <a:font script="Hebr" typeface="Times New Roman"/>
+        <a:font script="Thai" typeface="Angsana New"/>
+        <a:font script="Ethi" typeface="Nyala"/>
+        <a:font script="Beng" typeface="Vrinda"/>
+        <a:font script="Gujr" typeface="Shruti"/>
+        <a:font script="Khmr" typeface="MoolBoran"/>
+        <a:font script="Knda" typeface="Tunga"/>
+        <a:font script="Guru" typeface="Raavi"/>
+        <a:font script="Cans" typeface="Euphemia"/>
+        <a:font script="Cher" typeface="Plantagenet Cherokee"/>
+        <a:font script="Yiii" typeface="Microsoft Yi Baiti"/>
+        <a:font script="Tibt" typeface="Microsoft Himalaya"/>
+        <a:font script="Thaa" typeface="MV Boli"/>
+        <a:font script="Deva" typeface="Mangal"/>
+        <a:font script="Telu" typeface="Gautami"/>
+        <a:font script="Taml" typeface="Latha"/>
+        <a:font script="Syrc" typeface="Estrangelo Edessa"/>
+        <a:font script="Orya" typeface="Kalinga"/>
+        <a:font script="Mlym" typeface="Kartika"/>
+        <a:font script="Laoo" typeface="DokChampa"/>
+        <a:font script="Sinh" typeface="Iskoola Pota"/>
+        <a:font script="Mong" typeface="Mongolian Baiti"/>
+        <a:font script="Viet" typeface="Times New Roman"/>
+        <a:font script="Uigh" typeface="Microsoft Uighur"/>
+        <a:font script="Geor" typeface="Sylfaen"/>
+        <a:font script="Armn" typeface="Arial"/>
+        <a:font script="Bugi" typeface="Leelawadee UI"/>
+        <a:font script="Bopo" typeface="Microsoft JhengHei"/>
+        <a:font script="Java" typeface="Javanese Text"/>
+        <a:font script="Lisu" typeface="Segoe UI"/>
+        <a:font script="Mymr" typeface="Myanmar Text"/>
+        <a:font script="Nkoo" typeface="Ebrima"/>
+        <a:font script="Olck" typeface="Nirmala UI"/>
+        <a:font script="Osma" typeface="Ebrima"/>
+        <a:font script="Phag" typeface="Phagspa"/>
+        <a:font script="Syrn" typeface="Estrangelo Edessa"/>
+        <a:font script="Syrj" typeface="Estrangelo Edessa"/>
+        <a:font script="Syre" typeface="Estrangelo Edessa"/>
+        <a:font script="Sora" typeface="Nirmala UI"/>
+        <a:font script="Tale" typeface="Microsoft Tai Le"/>
+        <a:font script="Talu" typeface="Microsoft New Tai Lue"/>
+        <a:font script="Tfng" typeface="Ebrima"/>
       </a:majorFont>
       <a:minorFont>
-        <a:latin typeface="Tahoma"/>
-        <a:ea typeface="Tahoma"/>
+        <a:latin typeface="맑은 고딕" panose="020F0502020204030204"/>
+        <a:ea typeface=""/>
         <a:cs typeface=""/>
+        <a:font script="Jpan" typeface="游ゴシック"/>
+        <a:font script="Hang" typeface="맑은 고딕"/>
+        <a:font script="Hans" typeface="等线"/>
+        <a:font script="Hant" typeface="新細明體"/>
+        <a:font script="Arab" typeface="Arial"/>
+        <a:font script="Hebr" typeface="Arial"/>
+        <a:font script="Thai" typeface="Cordia New"/>
+        <a:font script="Ethi" typeface="Nyala"/>
+        <a:font script="Beng" typeface="Vrinda"/>
+        <a:font script="Gujr" typeface="Shruti"/>
+        <a:font script="Khmr" typeface="DaunPenh"/>
+        <a:font script="Knda" typeface="Tunga"/>
+        <a:font script="Guru" typeface="Raavi"/>
+        <a:font script="Cans" typeface="Euphemia"/>
+        <a:font script="Cher" typeface="Plantagenet Cherokee"/>
+        <a:font script="Yiii" typeface="Microsoft Yi Baiti"/>
+        <a:font script="Tibt" typeface="Microsoft Himalaya"/>
+        <a:font script="Thaa" typeface="MV Boli"/>
+        <a:font script="Deva" typeface="Mangal"/>
+        <a:font script="Telu" typeface="Gautami"/>
+        <a:font script="Taml" typeface="Latha"/>
+        <a:font script="Syrc" typeface="Estrangelo Edessa"/>
+        <a:font script="Orya" typeface="Kalinga"/>
+        <a:font script="Mlym" typeface="Kartika"/>
+        <a:font script="Laoo" typeface="DokChampa"/>
+        <a:font script="Sinh" typeface="Iskoola Pota"/>
+        <a:font script="Mong" typeface="Mongolian Baiti"/>
+        <a:font script="Viet" typeface="Arial"/>
+        <a:font script="Uigh" typeface="Microsoft Uighur"/>
+        <a:font script="Geor" typeface="Sylfaen"/>
+        <a:font script="Armn" typeface="Arial"/>
+        <a:font script="Bugi" typeface="Leelawadee UI"/>
+        <a:font script="Bopo" typeface="Microsoft JhengHei"/>
+        <a:font script="Java" typeface="Javanese Text"/>
+        <a:font script="Lisu" typeface="Segoe UI"/>
+        <a:font script="Mymr" typeface="Myanmar Text"/>
+        <a:font script="Nkoo" typeface="Ebrima"/>
+        <a:font script="Olck" typeface="Nirmala UI"/>
+        <a:font script="Osma" typeface="Ebrima"/>
+        <a:font script="Phag" typeface="Phagspa"/>
+        <a:font script="Syrn" typeface="Estrangelo Edessa"/>
+        <a:font script="Syrj" typeface="Estrangelo Edessa"/>
+        <a:font script="Syre" typeface="Estrangelo Edessa"/>
+        <a:font script="Sora" typeface="Nirmala UI"/>
+        <a:font script="Tale" typeface="Microsoft Tai Le"/>
+        <a:font script="Talu" typeface="Microsoft New Tai Lue"/>
+        <a:font script="Tfng" typeface="Ebrima"/>
       </a:minorFont>
     </a:fontScheme>
     <a:fmtScheme name="Office">
@@ -4990,4 +6094,299 @@
     </a:ext>
   </a:extLst>
 </a:theme>
+</file>
+
+<file path=ppt/theme/theme3.xml><?xml version="1.0" encoding="utf-8"?>
+<a:theme xmlns:a="http://schemas.openxmlformats.org/drawingml/2006/main" name="Office 테마">
+  <a:themeElements>
+    <a:clrScheme name="Office">
+      <a:dk1>
+        <a:sysClr val="windowText" lastClr="000000"/>
+      </a:dk1>
+      <a:lt1>
+        <a:sysClr val="window" lastClr="FFFFFF"/>
+      </a:lt1>
+      <a:dk2>
+        <a:srgbClr val="44546A"/>
+      </a:dk2>
+      <a:lt2>
+        <a:srgbClr val="E7E6E6"/>
+      </a:lt2>
+      <a:accent1>
+        <a:srgbClr val="4472C4"/>
+      </a:accent1>
+      <a:accent2>
+        <a:srgbClr val="ED7D31"/>
+      </a:accent2>
+      <a:accent3>
+        <a:srgbClr val="A5A5A5"/>
+      </a:accent3>
+      <a:accent4>
+        <a:srgbClr val="FFC000"/>
+      </a:accent4>
+      <a:accent5>
+        <a:srgbClr val="5B9BD5"/>
+      </a:accent5>
+      <a:accent6>
+        <a:srgbClr val="70AD47"/>
+      </a:accent6>
+      <a:hlink>
+        <a:srgbClr val="0563C1"/>
+      </a:hlink>
+      <a:folHlink>
+        <a:srgbClr val="954F72"/>
+      </a:folHlink>
+    </a:clrScheme>
+    <a:fontScheme name="Office">
+      <a:majorFont>
+        <a:latin typeface="맑은 고딕" panose="020F0302020204030204"/>
+        <a:ea typeface=""/>
+        <a:cs typeface=""/>
+        <a:font script="Jpan" typeface="游ゴシック Light"/>
+        <a:font script="Hang" typeface="맑은 고딕"/>
+        <a:font script="Hans" typeface="等线 Light"/>
+        <a:font script="Hant" typeface="新細明體"/>
+        <a:font script="Arab" typeface="Times New Roman"/>
+        <a:font script="Hebr" typeface="Times New Roman"/>
+        <a:font script="Thai" typeface="Angsana New"/>
+        <a:font script="Ethi" typeface="Nyala"/>
+        <a:font script="Beng" typeface="Vrinda"/>
+        <a:font script="Gujr" typeface="Shruti"/>
+        <a:font script="Khmr" typeface="MoolBoran"/>
+        <a:font script="Knda" typeface="Tunga"/>
+        <a:font script="Guru" typeface="Raavi"/>
+        <a:font script="Cans" typeface="Euphemia"/>
+        <a:font script="Cher" typeface="Plantagenet Cherokee"/>
+        <a:font script="Yiii" typeface="Microsoft Yi Baiti"/>
+        <a:font script="Tibt" typeface="Microsoft Himalaya"/>
+        <a:font script="Thaa" typeface="MV Boli"/>
+        <a:font script="Deva" typeface="Mangal"/>
+        <a:font script="Telu" typeface="Gautami"/>
+        <a:font script="Taml" typeface="Latha"/>
+        <a:font script="Syrc" typeface="Estrangelo Edessa"/>
+        <a:font script="Orya" typeface="Kalinga"/>
+        <a:font script="Mlym" typeface="Kartika"/>
+        <a:font script="Laoo" typeface="DokChampa"/>
+        <a:font script="Sinh" typeface="Iskoola Pota"/>
+        <a:font script="Mong" typeface="Mongolian Baiti"/>
+        <a:font script="Viet" typeface="Times New Roman"/>
+        <a:font script="Uigh" typeface="Microsoft Uighur"/>
+        <a:font script="Geor" typeface="Sylfaen"/>
+        <a:font script="Armn" typeface="Arial"/>
+        <a:font script="Bugi" typeface="Leelawadee UI"/>
+        <a:font script="Bopo" typeface="Microsoft JhengHei"/>
+        <a:font script="Java" typeface="Javanese Text"/>
+        <a:font script="Lisu" typeface="Segoe UI"/>
+        <a:font script="Mymr" typeface="Myanmar Text"/>
+        <a:font script="Nkoo" typeface="Ebrima"/>
+        <a:font script="Olck" typeface="Nirmala UI"/>
+        <a:font script="Osma" typeface="Ebrima"/>
+        <a:font script="Phag" typeface="Phagspa"/>
+        <a:font script="Syrn" typeface="Estrangelo Edessa"/>
+        <a:font script="Syrj" typeface="Estrangelo Edessa"/>
+        <a:font script="Syre" typeface="Estrangelo Edessa"/>
+        <a:font script="Sora" typeface="Nirmala UI"/>
+        <a:font script="Tale" typeface="Microsoft Tai Le"/>
+        <a:font script="Talu" typeface="Microsoft New Tai Lue"/>
+        <a:font script="Tfng" typeface="Ebrima"/>
+      </a:majorFont>
+      <a:minorFont>
+        <a:latin typeface="맑은 고딕" panose="020F0502020204030204"/>
+        <a:ea typeface=""/>
+        <a:cs typeface=""/>
+        <a:font script="Jpan" typeface="游ゴシック"/>
+        <a:font script="Hang" typeface="맑은 고딕"/>
+        <a:font script="Hans" typeface="等线"/>
+        <a:font script="Hant" typeface="新細明體"/>
+        <a:font script="Arab" typeface="Arial"/>
+        <a:font script="Hebr" typeface="Arial"/>
+        <a:font script="Thai" typeface="Cordia New"/>
+        <a:font script="Ethi" typeface="Nyala"/>
+        <a:font script="Beng" typeface="Vrinda"/>
+        <a:font script="Gujr" typeface="Shruti"/>
+        <a:font script="Khmr" typeface="DaunPenh"/>
+        <a:font script="Knda" typeface="Tunga"/>
+        <a:font script="Guru" typeface="Raavi"/>
+        <a:font script="Cans" typeface="Euphemia"/>
+        <a:font script="Cher" typeface="Plantagenet Cherokee"/>
+        <a:font script="Yiii" typeface="Microsoft Yi Baiti"/>
+        <a:font script="Tibt" typeface="Microsoft Himalaya"/>
+        <a:font script="Thaa" typeface="MV Boli"/>
+        <a:font script="Deva" typeface="Mangal"/>
+        <a:font script="Telu" typeface="Gautami"/>
+        <a:font script="Taml" typeface="Latha"/>
+        <a:font script="Syrc" typeface="Estrangelo Edessa"/>
+        <a:font script="Orya" typeface="Kalinga"/>
+        <a:font script="Mlym" typeface="Kartika"/>
+        <a:font script="Laoo" typeface="DokChampa"/>
+        <a:font script="Sinh" typeface="Iskoola Pota"/>
+        <a:font script="Mong" typeface="Mongolian Baiti"/>
+        <a:font script="Viet" typeface="Arial"/>
+        <a:font script="Uigh" typeface="Microsoft Uighur"/>
+        <a:font script="Geor" typeface="Sylfaen"/>
+        <a:font script="Armn" typeface="Arial"/>
+        <a:font script="Bugi" typeface="Leelawadee UI"/>
+        <a:font script="Bopo" typeface="Microsoft JhengHei"/>
+        <a:font script="Java" typeface="Javanese Text"/>
+        <a:font script="Lisu" typeface="Segoe UI"/>
+        <a:font script="Mymr" typeface="Myanmar Text"/>
+        <a:font script="Nkoo" typeface="Ebrima"/>
+        <a:font script="Olck" typeface="Nirmala UI"/>
+        <a:font script="Osma" typeface="Ebrima"/>
+        <a:font script="Phag" typeface="Phagspa"/>
+        <a:font script="Syrn" typeface="Estrangelo Edessa"/>
+        <a:font script="Syrj" typeface="Estrangelo Edessa"/>
+        <a:font script="Syre" typeface="Estrangelo Edessa"/>
+        <a:font script="Sora" typeface="Nirmala UI"/>
+        <a:font script="Tale" typeface="Microsoft Tai Le"/>
+        <a:font script="Talu" typeface="Microsoft New Tai Lue"/>
+        <a:font script="Tfng" typeface="Ebrima"/>
+      </a:minorFont>
+    </a:fontScheme>
+    <a:fmtScheme name="Office">
+      <a:fillStyleLst>
+        <a:solidFill>
+          <a:schemeClr val="phClr"/>
+        </a:solidFill>
+        <a:gradFill rotWithShape="1">
+          <a:gsLst>
+            <a:gs pos="0">
+              <a:schemeClr val="phClr">
+                <a:lumMod val="110000"/>
+                <a:satMod val="105000"/>
+                <a:tint val="67000"/>
+              </a:schemeClr>
+            </a:gs>
+            <a:gs pos="50000">
+              <a:schemeClr val="phClr">
+                <a:lumMod val="105000"/>
+                <a:satMod val="103000"/>
+                <a:tint val="73000"/>
+              </a:schemeClr>
+            </a:gs>
+            <a:gs pos="100000">
+              <a:schemeClr val="phClr">
+                <a:lumMod val="105000"/>
+                <a:satMod val="109000"/>
+                <a:tint val="81000"/>
+              </a:schemeClr>
+            </a:gs>
+          </a:gsLst>
+          <a:lin ang="5400000" scaled="0"/>
+        </a:gradFill>
+        <a:gradFill rotWithShape="1">
+          <a:gsLst>
+            <a:gs pos="0">
+              <a:schemeClr val="phClr">
+                <a:satMod val="103000"/>
+                <a:lumMod val="102000"/>
+                <a:tint val="94000"/>
+              </a:schemeClr>
+            </a:gs>
+            <a:gs pos="50000">
+              <a:schemeClr val="phClr">
+                <a:satMod val="110000"/>
+                <a:lumMod val="100000"/>
+                <a:shade val="100000"/>
+              </a:schemeClr>
+            </a:gs>
+            <a:gs pos="100000">
+              <a:schemeClr val="phClr">
+                <a:lumMod val="99000"/>
+                <a:satMod val="120000"/>
+                <a:shade val="78000"/>
+              </a:schemeClr>
+            </a:gs>
+          </a:gsLst>
+          <a:lin ang="5400000" scaled="0"/>
+        </a:gradFill>
+      </a:fillStyleLst>
+      <a:lnStyleLst>
+        <a:ln w="6350" cap="flat" cmpd="sng" algn="ctr">
+          <a:solidFill>
+            <a:schemeClr val="phClr"/>
+          </a:solidFill>
+          <a:prstDash val="solid"/>
+          <a:miter lim="800000"/>
+        </a:ln>
+        <a:ln w="12700" cap="flat" cmpd="sng" algn="ctr">
+          <a:solidFill>
+            <a:schemeClr val="phClr"/>
+          </a:solidFill>
+          <a:prstDash val="solid"/>
+          <a:miter lim="800000"/>
+        </a:ln>
+        <a:ln w="19050" cap="flat" cmpd="sng" algn="ctr">
+          <a:solidFill>
+            <a:schemeClr val="phClr"/>
+          </a:solidFill>
+          <a:prstDash val="solid"/>
+          <a:miter lim="800000"/>
+        </a:ln>
+      </a:lnStyleLst>
+      <a:effectStyleLst>
+        <a:effectStyle>
+          <a:effectLst/>
+        </a:effectStyle>
+        <a:effectStyle>
+          <a:effectLst/>
+        </a:effectStyle>
+        <a:effectStyle>
+          <a:effectLst>
+            <a:outerShdw blurRad="57150" dist="19050" dir="5400000" algn="ctr" rotWithShape="0">
+              <a:srgbClr val="000000">
+                <a:alpha val="63000"/>
+              </a:srgbClr>
+            </a:outerShdw>
+          </a:effectLst>
+        </a:effectStyle>
+      </a:effectStyleLst>
+      <a:bgFillStyleLst>
+        <a:solidFill>
+          <a:schemeClr val="phClr"/>
+        </a:solidFill>
+        <a:solidFill>
+          <a:schemeClr val="phClr">
+            <a:tint val="95000"/>
+            <a:satMod val="170000"/>
+          </a:schemeClr>
+        </a:solidFill>
+        <a:gradFill rotWithShape="1">
+          <a:gsLst>
+            <a:gs pos="0">
+              <a:schemeClr val="phClr">
+                <a:tint val="93000"/>
+                <a:satMod val="150000"/>
+                <a:shade val="98000"/>
+                <a:lumMod val="102000"/>
+              </a:schemeClr>
+            </a:gs>
+            <a:gs pos="50000">
+              <a:schemeClr val="phClr">
+                <a:tint val="98000"/>
+                <a:satMod val="130000"/>
+                <a:shade val="90000"/>
+                <a:lumMod val="103000"/>
+              </a:schemeClr>
+            </a:gs>
+            <a:gs pos="100000">
+              <a:schemeClr val="phClr">
+                <a:shade val="63000"/>
+                <a:satMod val="120000"/>
+              </a:schemeClr>
+            </a:gs>
+          </a:gsLst>
+          <a:lin ang="5400000" scaled="0"/>
+        </a:gradFill>
+      </a:bgFillStyleLst>
+    </a:fmtScheme>
+  </a:themeElements>
+  <a:objectDefaults/>
+  <a:extraClrSchemeLst/>
+  <a:extLst>
+    <a:ext uri="{05A4C25C-085E-4340-85A3-A5531E510DB2}">
+      <thm15:themeFamily xmlns:thm15="http://schemas.microsoft.com/office/thememl/2012/main" name="Office Theme" id="{62F939B6-93AF-4DB8-9C6B-D6C7DFDC589F}" vid="{4A3C46E8-61CC-4603-A589-7422A47A8E4A}"/>
+    </a:ext>
+  </a:extLst>
+</a:theme>
 </file>